--- a/Service Desk.pptx
+++ b/Service Desk.pptx
@@ -3928,8 +3928,18 @@
           <a:lstStyle/>
           <a:p>
             <a:r>
+              <a:rPr lang="en-US" u="sng" dirty="0" smtClean="0"/>
+              <a:t>KPIs</a:t>
+            </a:r>
+          </a:p>
+          <a:p>
+            <a:r>
+              <a:rPr lang="en-US" dirty="0" smtClean="0"/>
+              <a:t>percentage </a:t>
+            </a:r>
+            <a:r>
               <a:rPr lang="en-US" dirty="0"/>
-              <a:t>percentage of tickets closed without escalation to second or third line </a:t>
+              <a:t>of tickets closed without escalation to second or third line </a:t>
             </a:r>
             <a:r>
               <a:rPr lang="en-US" dirty="0" smtClean="0"/>
@@ -3976,7 +3986,7 @@
             </a:pPr>
             <a:r>
               <a:rPr lang="en-US" dirty="0" smtClean="0"/>
-              <a:t>SMART goals for the job like being able to complete and close tickets 95% of the time.</a:t>
+              <a:t>SMART goals for the job like: being able to complete and close tickets 95% of the time, Having a 24 hour response time to tickets.</a:t>
             </a:r>
             <a:endParaRPr lang="en-US" dirty="0"/>
           </a:p>
@@ -4127,7 +4137,7 @@
             <p:ph idx="1"/>
             <p:extLst>
               <p:ext uri="{D42A27DB-BD31-4B8C-83A1-F6EECF244321}">
-                <p14:modId xmlns:p14="http://schemas.microsoft.com/office/powerpoint/2010/main" val="4178916227"/>
+                <p14:modId xmlns:p14="http://schemas.microsoft.com/office/powerpoint/2010/main" val="1476418724"/>
               </p:ext>
             </p:extLst>
           </p:nvPr>
@@ -4305,7 +4315,7 @@
                     <a:bodyPr/>
                     <a:lstStyle/>
                     <a:p>
-                      <a:endParaRPr lang="en-US"/>
+                      <a:endParaRPr lang="en-US" dirty="0"/>
                     </a:p>
                   </a:txBody>
                   <a:tcPr/>
@@ -4315,7 +4325,7 @@
                     <a:bodyPr/>
                     <a:lstStyle/>
                     <a:p>
-                      <a:endParaRPr lang="en-US"/>
+                      <a:endParaRPr lang="en-US" dirty="0"/>
                     </a:p>
                   </a:txBody>
                   <a:tcPr/>
@@ -4364,7 +4374,15 @@
                     <a:p>
                       <a:r>
                         <a:rPr lang="en-US" dirty="0" smtClean="0"/>
-                        <a:t>The call was handled</a:t>
+                        <a:t>The </a:t>
+                      </a:r>
+                      <a:r>
+                        <a:rPr lang="en-US" dirty="0" smtClean="0"/>
+                        <a:t>issue </a:t>
+                      </a:r>
+                      <a:r>
+                        <a:rPr lang="en-US" dirty="0" smtClean="0"/>
+                        <a:t>was handled</a:t>
                       </a:r>
                       <a:r>
                         <a:rPr lang="en-US" baseline="0" dirty="0" smtClean="0"/>
@@ -4390,7 +4408,7 @@
                     <a:bodyPr/>
                     <a:lstStyle/>
                     <a:p>
-                      <a:endParaRPr lang="en-US"/>
+                      <a:endParaRPr lang="en-US" dirty="0"/>
                     </a:p>
                   </a:txBody>
                   <a:tcPr/>
@@ -4439,7 +4457,15 @@
                     <a:p>
                       <a:r>
                         <a:rPr lang="en-US" dirty="0" smtClean="0"/>
-                        <a:t>The call was handled</a:t>
+                        <a:t>The </a:t>
+                      </a:r>
+                      <a:r>
+                        <a:rPr lang="en-US" dirty="0" smtClean="0"/>
+                        <a:t>issue </a:t>
+                      </a:r>
+                      <a:r>
+                        <a:rPr lang="en-US" dirty="0" smtClean="0"/>
+                        <a:t>was handled</a:t>
                       </a:r>
                       <a:r>
                         <a:rPr lang="en-US" baseline="0" dirty="0" smtClean="0"/>
@@ -4464,7 +4490,7 @@
                     <a:bodyPr/>
                     <a:lstStyle/>
                     <a:p>
-                      <a:endParaRPr lang="en-US"/>
+                      <a:endParaRPr lang="en-US" dirty="0"/>
                     </a:p>
                   </a:txBody>
                   <a:tcPr/>
@@ -4474,7 +4500,7 @@
                     <a:bodyPr/>
                     <a:lstStyle/>
                     <a:p>
-                      <a:endParaRPr lang="en-US"/>
+                      <a:endParaRPr lang="en-US" dirty="0"/>
                     </a:p>
                   </a:txBody>
                   <a:tcPr/>
@@ -4484,7 +4510,7 @@
                     <a:bodyPr/>
                     <a:lstStyle/>
                     <a:p>
-                      <a:endParaRPr lang="en-US"/>
+                      <a:endParaRPr lang="en-US" dirty="0"/>
                     </a:p>
                   </a:txBody>
                   <a:tcPr/>
@@ -4559,7 +4585,7 @@
                     <a:bodyPr/>
                     <a:lstStyle/>
                     <a:p>
-                      <a:endParaRPr lang="en-US"/>
+                      <a:endParaRPr lang="en-US" dirty="0"/>
                     </a:p>
                   </a:txBody>
                   <a:tcPr/>
@@ -4680,7 +4706,7 @@
         </p:blipFill>
         <p:spPr>
           <a:xfrm>
-            <a:off x="1547446" y="61544"/>
+            <a:off x="1570159" y="0"/>
             <a:ext cx="8957895" cy="6217795"/>
           </a:xfrm>
           <a:prstGeom prst="rect">
